--- a/Dokumentacija/DmitrijsTkačuks_2020_kvd.pptx
+++ b/Dokumentacija/DmitrijsTkačuks_2020_kvd.pptx
@@ -22,18 +22,18 @@
   <p:notesSz cx="6858000" cy="9144000"/>
   <p:embeddedFontLst>
     <p:embeddedFont>
-      <p:font typeface="Sitka Banner" panose="02000505000000020004" pitchFamily="2" charset="0"/>
+      <p:font typeface="Lexend Deca" panose="020B0604020202020204" charset="0"/>
       <p:regular r:id="rId12"/>
-      <p:bold r:id="rId13"/>
-      <p:italic r:id="rId14"/>
-      <p:boldItalic r:id="rId15"/>
-    </p:embeddedFont>
-    <p:embeddedFont>
-      <p:font typeface="Lexend Deca" panose="020B0604020202020204" charset="0"/>
-      <p:regular r:id="rId16"/>
     </p:embeddedFont>
     <p:embeddedFont>
       <p:font typeface="Muli Light" panose="020B0604020202020204" charset="0"/>
+      <p:regular r:id="rId13"/>
+      <p:bold r:id="rId14"/>
+      <p:italic r:id="rId15"/>
+      <p:boldItalic r:id="rId16"/>
+    </p:embeddedFont>
+    <p:embeddedFont>
+      <p:font typeface="Sitka Banner" panose="02000505000000020004" pitchFamily="2" charset="0"/>
       <p:regular r:id="rId17"/>
       <p:bold r:id="rId18"/>
       <p:italic r:id="rId19"/>
@@ -2938,7 +2938,7 @@
         </p:nvSpPr>
         <p:spPr>
           <a:xfrm>
-            <a:off x="485410" y="1076880"/>
+            <a:off x="485410" y="1418945"/>
             <a:ext cx="6300490" cy="610581"/>
           </a:xfrm>
         </p:spPr>
@@ -2957,8 +2957,18 @@
                 <a:latin typeface="Times New Roman" panose="02020603050405020304" pitchFamily="18" charset="0"/>
                 <a:cs typeface="Times New Roman" panose="02020603050405020304" pitchFamily="18" charset="0"/>
               </a:rPr>
-              <a:t>Uzņēmumu kontroles sistēmā</a:t>
+              <a:t>Vairumtirdzniecības uzņēmumu datu uzskaites automatizētā sistēma</a:t>
             </a:r>
+            <a:endParaRPr lang="lv-LV" dirty="0">
+              <a:solidFill>
+                <a:schemeClr val="bg1">
+                  <a:lumMod val="85000"/>
+                  <a:lumOff val="15000"/>
+                </a:schemeClr>
+              </a:solidFill>
+              <a:latin typeface="Times New Roman" panose="02020603050405020304" pitchFamily="18" charset="0"/>
+              <a:cs typeface="Times New Roman" panose="02020603050405020304" pitchFamily="18" charset="0"/>
+            </a:endParaRPr>
           </a:p>
         </p:txBody>
       </p:sp>
@@ -3970,14 +3980,23 @@
           <a:lstStyle/>
           <a:p>
             <a:r>
-              <a:rPr lang="en-US" dirty="0"/>
+              <a:rPr lang="en-US" dirty="0">
+                <a:latin typeface="Times New Roman" panose="02020603050405020304" pitchFamily="18" charset="0"/>
+                <a:cs typeface="Times New Roman" panose="02020603050405020304" pitchFamily="18" charset="0"/>
+              </a:rPr>
               <a:t>ER </a:t>
             </a:r>
             <a:r>
-              <a:rPr lang="lv-LV" dirty="0" smtClean="0"/>
+              <a:rPr lang="lv-LV" dirty="0" smtClean="0">
+                <a:latin typeface="Times New Roman" panose="02020603050405020304" pitchFamily="18" charset="0"/>
+                <a:cs typeface="Times New Roman" panose="02020603050405020304" pitchFamily="18" charset="0"/>
+              </a:rPr>
               <a:t>Diagramma</a:t>
             </a:r>
-            <a:endParaRPr lang="lv-LV" dirty="0"/>
+            <a:endParaRPr lang="lv-LV" dirty="0">
+              <a:latin typeface="Times New Roman" panose="02020603050405020304" pitchFamily="18" charset="0"/>
+              <a:cs typeface="Times New Roman" panose="02020603050405020304" pitchFamily="18" charset="0"/>
+            </a:endParaRPr>
           </a:p>
         </p:txBody>
       </p:sp>
